--- a/week4進度報告.pptx
+++ b/week4進度報告.pptx
@@ -280,7 +280,7 @@
           <a:p>
             <a:fld id="{B28AABCA-3EF2-4316-A591-5150F8AE44F4}" type="datetimeFigureOut">
               <a:rPr lang="zh-TW" altLang="en-US" smtClean="0"/>
-              <a:t>2023/10/5</a:t>
+              <a:t>2023/10/6</a:t>
             </a:fld>
             <a:endParaRPr lang="zh-TW" altLang="en-US"/>
           </a:p>
@@ -478,7 +478,7 @@
           <a:p>
             <a:fld id="{B28AABCA-3EF2-4316-A591-5150F8AE44F4}" type="datetimeFigureOut">
               <a:rPr lang="zh-TW" altLang="en-US" smtClean="0"/>
-              <a:t>2023/10/5</a:t>
+              <a:t>2023/10/6</a:t>
             </a:fld>
             <a:endParaRPr lang="zh-TW" altLang="en-US"/>
           </a:p>
@@ -686,7 +686,7 @@
           <a:p>
             <a:fld id="{B28AABCA-3EF2-4316-A591-5150F8AE44F4}" type="datetimeFigureOut">
               <a:rPr lang="zh-TW" altLang="en-US" smtClean="0"/>
-              <a:t>2023/10/5</a:t>
+              <a:t>2023/10/6</a:t>
             </a:fld>
             <a:endParaRPr lang="zh-TW" altLang="en-US"/>
           </a:p>
@@ -884,7 +884,7 @@
           <a:p>
             <a:fld id="{B28AABCA-3EF2-4316-A591-5150F8AE44F4}" type="datetimeFigureOut">
               <a:rPr lang="zh-TW" altLang="en-US" smtClean="0"/>
-              <a:t>2023/10/5</a:t>
+              <a:t>2023/10/6</a:t>
             </a:fld>
             <a:endParaRPr lang="zh-TW" altLang="en-US"/>
           </a:p>
@@ -1159,7 +1159,7 @@
           <a:p>
             <a:fld id="{B28AABCA-3EF2-4316-A591-5150F8AE44F4}" type="datetimeFigureOut">
               <a:rPr lang="zh-TW" altLang="en-US" smtClean="0"/>
-              <a:t>2023/10/5</a:t>
+              <a:t>2023/10/6</a:t>
             </a:fld>
             <a:endParaRPr lang="zh-TW" altLang="en-US"/>
           </a:p>
@@ -1424,7 +1424,7 @@
           <a:p>
             <a:fld id="{B28AABCA-3EF2-4316-A591-5150F8AE44F4}" type="datetimeFigureOut">
               <a:rPr lang="zh-TW" altLang="en-US" smtClean="0"/>
-              <a:t>2023/10/5</a:t>
+              <a:t>2023/10/6</a:t>
             </a:fld>
             <a:endParaRPr lang="zh-TW" altLang="en-US"/>
           </a:p>
@@ -1836,7 +1836,7 @@
           <a:p>
             <a:fld id="{B28AABCA-3EF2-4316-A591-5150F8AE44F4}" type="datetimeFigureOut">
               <a:rPr lang="zh-TW" altLang="en-US" smtClean="0"/>
-              <a:t>2023/10/5</a:t>
+              <a:t>2023/10/6</a:t>
             </a:fld>
             <a:endParaRPr lang="zh-TW" altLang="en-US"/>
           </a:p>
@@ -1977,7 +1977,7 @@
           <a:p>
             <a:fld id="{B28AABCA-3EF2-4316-A591-5150F8AE44F4}" type="datetimeFigureOut">
               <a:rPr lang="zh-TW" altLang="en-US" smtClean="0"/>
-              <a:t>2023/10/5</a:t>
+              <a:t>2023/10/6</a:t>
             </a:fld>
             <a:endParaRPr lang="zh-TW" altLang="en-US"/>
           </a:p>
@@ -2090,7 +2090,7 @@
           <a:p>
             <a:fld id="{B28AABCA-3EF2-4316-A591-5150F8AE44F4}" type="datetimeFigureOut">
               <a:rPr lang="zh-TW" altLang="en-US" smtClean="0"/>
-              <a:t>2023/10/5</a:t>
+              <a:t>2023/10/6</a:t>
             </a:fld>
             <a:endParaRPr lang="zh-TW" altLang="en-US"/>
           </a:p>
@@ -2401,7 +2401,7 @@
           <a:p>
             <a:fld id="{B28AABCA-3EF2-4316-A591-5150F8AE44F4}" type="datetimeFigureOut">
               <a:rPr lang="zh-TW" altLang="en-US" smtClean="0"/>
-              <a:t>2023/10/5</a:t>
+              <a:t>2023/10/6</a:t>
             </a:fld>
             <a:endParaRPr lang="zh-TW" altLang="en-US"/>
           </a:p>
@@ -2689,7 +2689,7 @@
           <a:p>
             <a:fld id="{B28AABCA-3EF2-4316-A591-5150F8AE44F4}" type="datetimeFigureOut">
               <a:rPr lang="zh-TW" altLang="en-US" smtClean="0"/>
-              <a:t>2023/10/5</a:t>
+              <a:t>2023/10/6</a:t>
             </a:fld>
             <a:endParaRPr lang="zh-TW" altLang="en-US"/>
           </a:p>
@@ -2930,7 +2930,7 @@
           <a:p>
             <a:fld id="{B28AABCA-3EF2-4316-A591-5150F8AE44F4}" type="datetimeFigureOut">
               <a:rPr lang="zh-TW" altLang="en-US" smtClean="0"/>
-              <a:t>2023/10/5</a:t>
+              <a:t>2023/10/6</a:t>
             </a:fld>
             <a:endParaRPr lang="zh-TW" altLang="en-US"/>
           </a:p>
@@ -6421,6 +6421,36 @@
           </a:p>
         </p:txBody>
       </p:sp>
+      <p:pic>
+        <p:nvPicPr>
+          <p:cNvPr id="5" name="圖片 4">
+            <a:extLst>
+              <a:ext uri="{FF2B5EF4-FFF2-40B4-BE49-F238E27FC236}">
+                <a16:creationId xmlns:a16="http://schemas.microsoft.com/office/drawing/2014/main" id="{2D4FE458-0DA5-0C72-9DD5-5B874775496D}"/>
+              </a:ext>
+            </a:extLst>
+          </p:cNvPr>
+          <p:cNvPicPr>
+            <a:picLocks noChangeAspect="1"/>
+          </p:cNvPicPr>
+          <p:nvPr/>
+        </p:nvPicPr>
+        <p:blipFill>
+          <a:blip r:embed="rId2"/>
+          <a:stretch>
+            <a:fillRect/>
+          </a:stretch>
+        </p:blipFill>
+        <p:spPr>
+          <a:xfrm>
+            <a:off x="1962561" y="1463040"/>
+            <a:ext cx="8266878" cy="5320863"/>
+          </a:xfrm>
+          <a:prstGeom prst="rect">
+            <a:avLst/>
+          </a:prstGeom>
+        </p:spPr>
+      </p:pic>
     </p:spTree>
     <p:extLst>
       <p:ext uri="{BB962C8B-B14F-4D97-AF65-F5344CB8AC3E}">
@@ -7568,15 +7598,198 @@
             <p:ph idx="1"/>
           </p:nvPr>
         </p:nvSpPr>
-        <p:spPr/>
+        <p:spPr>
+          <a:xfrm>
+            <a:off x="838200" y="4037602"/>
+            <a:ext cx="10515600" cy="4351338"/>
+          </a:xfrm>
+        </p:spPr>
         <p:txBody>
           <a:bodyPr/>
           <a:lstStyle/>
           <a:p>
-            <a:endParaRPr lang="zh-TW" altLang="en-US"/>
-          </a:p>
-        </p:txBody>
-      </p:sp>
+            <a:pPr marL="0" indent="0">
+              <a:buNone/>
+            </a:pPr>
+            <a:r>
+              <a:rPr lang="zh-TW" altLang="en-US" dirty="0">
+                <a:latin typeface="標楷體" panose="03000509000000000000" pitchFamily="65" charset="-120"/>
+                <a:ea typeface="標楷體" panose="03000509000000000000" pitchFamily="65" charset="-120"/>
+              </a:rPr>
+              <a:t>整體準確率沒有太大的差異，不過在最後三類的的準確率則是有提升，但最一開始的問題一樣還是無法獲得解決：</a:t>
+            </a:r>
+            <a:r>
+              <a:rPr lang="zh-TW" altLang="en-US" dirty="0">
+                <a:solidFill>
+                  <a:srgbClr val="FF0000"/>
+                </a:solidFill>
+                <a:latin typeface="標楷體" panose="03000509000000000000" pitchFamily="65" charset="-120"/>
+                <a:ea typeface="標楷體" panose="03000509000000000000" pitchFamily="65" charset="-120"/>
+              </a:rPr>
+              <a:t>過寬</a:t>
+            </a:r>
+            <a:r>
+              <a:rPr lang="en-US" altLang="zh-TW" dirty="0">
+                <a:solidFill>
+                  <a:srgbClr val="FF0000"/>
+                </a:solidFill>
+                <a:latin typeface="標楷體" panose="03000509000000000000" pitchFamily="65" charset="-120"/>
+                <a:ea typeface="標楷體" panose="03000509000000000000" pitchFamily="65" charset="-120"/>
+              </a:rPr>
+              <a:t>_</a:t>
+            </a:r>
+            <a:r>
+              <a:rPr lang="zh-TW" altLang="en-US" dirty="0">
+                <a:solidFill>
+                  <a:srgbClr val="FF0000"/>
+                </a:solidFill>
+                <a:latin typeface="標楷體" panose="03000509000000000000" pitchFamily="65" charset="-120"/>
+                <a:ea typeface="標楷體" panose="03000509000000000000" pitchFamily="65" charset="-120"/>
+              </a:rPr>
+              <a:t>標準這類會被判定成過寬</a:t>
+            </a:r>
+            <a:r>
+              <a:rPr lang="en-US" altLang="zh-TW" dirty="0">
+                <a:solidFill>
+                  <a:srgbClr val="FF0000"/>
+                </a:solidFill>
+                <a:latin typeface="標楷體" panose="03000509000000000000" pitchFamily="65" charset="-120"/>
+                <a:ea typeface="標楷體" panose="03000509000000000000" pitchFamily="65" charset="-120"/>
+              </a:rPr>
+              <a:t>_</a:t>
+            </a:r>
+            <a:r>
+              <a:rPr lang="zh-TW" altLang="en-US" dirty="0">
+                <a:solidFill>
+                  <a:srgbClr val="FF0000"/>
+                </a:solidFill>
+                <a:latin typeface="標楷體" panose="03000509000000000000" pitchFamily="65" charset="-120"/>
+                <a:ea typeface="標楷體" panose="03000509000000000000" pitchFamily="65" charset="-120"/>
+              </a:rPr>
+              <a:t>過寬。</a:t>
+            </a:r>
+            <a:endParaRPr lang="en-US" altLang="zh-TW" dirty="0">
+              <a:solidFill>
+                <a:srgbClr val="FF0000"/>
+              </a:solidFill>
+              <a:latin typeface="標楷體" panose="03000509000000000000" pitchFamily="65" charset="-120"/>
+              <a:ea typeface="標楷體" panose="03000509000000000000" pitchFamily="65" charset="-120"/>
+            </a:endParaRPr>
+          </a:p>
+          <a:p>
+            <a:pPr marL="0" indent="0">
+              <a:buNone/>
+            </a:pPr>
+            <a:r>
+              <a:rPr lang="zh-TW" altLang="en-US" dirty="0">
+                <a:latin typeface="標楷體" panose="03000509000000000000" pitchFamily="65" charset="-120"/>
+                <a:ea typeface="標楷體" panose="03000509000000000000" pitchFamily="65" charset="-120"/>
+              </a:rPr>
+              <a:t>這周會再繼續努力把這個問題修正，預計解決後姿勢判定模型的優化就能先告一段落</a:t>
+            </a:r>
+            <a:endParaRPr lang="en-US" altLang="zh-TW" dirty="0">
+              <a:latin typeface="標楷體" panose="03000509000000000000" pitchFamily="65" charset="-120"/>
+              <a:ea typeface="標楷體" panose="03000509000000000000" pitchFamily="65" charset="-120"/>
+            </a:endParaRPr>
+          </a:p>
+        </p:txBody>
+      </p:sp>
+      <p:pic>
+        <p:nvPicPr>
+          <p:cNvPr id="4" name="圖片 3">
+            <a:extLst>
+              <a:ext uri="{FF2B5EF4-FFF2-40B4-BE49-F238E27FC236}">
+                <a16:creationId xmlns:a16="http://schemas.microsoft.com/office/drawing/2014/main" id="{BF7F2E03-18D1-CDB4-D6FC-7F5B3775063F}"/>
+              </a:ext>
+            </a:extLst>
+          </p:cNvPr>
+          <p:cNvPicPr>
+            <a:picLocks noChangeAspect="1"/>
+          </p:cNvPicPr>
+          <p:nvPr/>
+        </p:nvPicPr>
+        <p:blipFill>
+          <a:blip r:embed="rId2"/>
+          <a:stretch>
+            <a:fillRect/>
+          </a:stretch>
+        </p:blipFill>
+        <p:spPr>
+          <a:xfrm>
+            <a:off x="124227" y="1593669"/>
+            <a:ext cx="6164832" cy="1835331"/>
+          </a:xfrm>
+          <a:prstGeom prst="rect">
+            <a:avLst/>
+          </a:prstGeom>
+        </p:spPr>
+      </p:pic>
+      <p:pic>
+        <p:nvPicPr>
+          <p:cNvPr id="7" name="圖片 6">
+            <a:extLst>
+              <a:ext uri="{FF2B5EF4-FFF2-40B4-BE49-F238E27FC236}">
+                <a16:creationId xmlns:a16="http://schemas.microsoft.com/office/drawing/2014/main" id="{A6BBF8A6-D5F9-F07A-DA64-7FE6156A536F}"/>
+              </a:ext>
+            </a:extLst>
+          </p:cNvPr>
+          <p:cNvPicPr>
+            <a:picLocks noChangeAspect="1"/>
+          </p:cNvPicPr>
+          <p:nvPr/>
+        </p:nvPicPr>
+        <p:blipFill>
+          <a:blip r:embed="rId3"/>
+          <a:stretch>
+            <a:fillRect/>
+          </a:stretch>
+        </p:blipFill>
+        <p:spPr>
+          <a:xfrm>
+            <a:off x="6587326" y="1482177"/>
+            <a:ext cx="5064741" cy="2205407"/>
+          </a:xfrm>
+          <a:prstGeom prst="rect">
+            <a:avLst/>
+          </a:prstGeom>
+        </p:spPr>
+      </p:pic>
+      <p:cxnSp>
+        <p:nvCxnSpPr>
+          <p:cNvPr id="9" name="直線接點 8">
+            <a:extLst>
+              <a:ext uri="{FF2B5EF4-FFF2-40B4-BE49-F238E27FC236}">
+                <a16:creationId xmlns:a16="http://schemas.microsoft.com/office/drawing/2014/main" id="{9553FEBD-4454-BBB2-168D-224F97E61BA0}"/>
+              </a:ext>
+            </a:extLst>
+          </p:cNvPr>
+          <p:cNvCxnSpPr/>
+          <p:nvPr/>
+        </p:nvCxnSpPr>
+        <p:spPr>
+          <a:xfrm>
+            <a:off x="6662057" y="3169920"/>
+            <a:ext cx="4615543" cy="0"/>
+          </a:xfrm>
+          <a:prstGeom prst="line">
+            <a:avLst/>
+          </a:prstGeom>
+        </p:spPr>
+        <p:style>
+          <a:lnRef idx="3">
+            <a:schemeClr val="accent2"/>
+          </a:lnRef>
+          <a:fillRef idx="0">
+            <a:schemeClr val="accent2"/>
+          </a:fillRef>
+          <a:effectRef idx="2">
+            <a:schemeClr val="accent2"/>
+          </a:effectRef>
+          <a:fontRef idx="minor">
+            <a:schemeClr val="tx1"/>
+          </a:fontRef>
+        </p:style>
+      </p:cxnSp>
     </p:spTree>
     <p:extLst>
       <p:ext uri="{BB962C8B-B14F-4D97-AF65-F5344CB8AC3E}">

--- a/week4進度報告.pptx
+++ b/week4進度報告.pptx
@@ -7685,8 +7685,17 @@
                 <a:latin typeface="標楷體" panose="03000509000000000000" pitchFamily="65" charset="-120"/>
                 <a:ea typeface="標楷體" panose="03000509000000000000" pitchFamily="65" charset="-120"/>
               </a:rPr>
-              <a:t>這周會再繼續努力把這個問題修正，預計解決後姿勢判定模型的優化就能先告一段落</a:t>
-            </a:r>
+              <a:t>這周會再繼續努力把這個問題修正，預計解決後姿勢判定模型的優化就能先告一段落。</a:t>
+            </a:r>
+            <a:endParaRPr lang="en-US" altLang="zh-TW" dirty="0">
+              <a:latin typeface="標楷體" panose="03000509000000000000" pitchFamily="65" charset="-120"/>
+              <a:ea typeface="標楷體" panose="03000509000000000000" pitchFamily="65" charset="-120"/>
+            </a:endParaRPr>
+          </a:p>
+          <a:p>
+            <a:pPr marL="0" indent="0">
+              <a:buNone/>
+            </a:pPr>
             <a:endParaRPr lang="en-US" altLang="zh-TW" dirty="0">
               <a:latin typeface="標楷體" panose="03000509000000000000" pitchFamily="65" charset="-120"/>
               <a:ea typeface="標楷體" panose="03000509000000000000" pitchFamily="65" charset="-120"/>

--- a/week4進度報告.pptx
+++ b/week4進度報告.pptx
@@ -25,8 +25,10 @@
     <p:sldId id="290" r:id="rId19"/>
     <p:sldId id="291" r:id="rId20"/>
     <p:sldId id="292" r:id="rId21"/>
-    <p:sldId id="265" r:id="rId22"/>
-    <p:sldId id="266" r:id="rId23"/>
+    <p:sldId id="294" r:id="rId22"/>
+    <p:sldId id="265" r:id="rId23"/>
+    <p:sldId id="293" r:id="rId24"/>
+    <p:sldId id="266" r:id="rId25"/>
   </p:sldIdLst>
   <p:sldSz cx="12192000" cy="6858000"/>
   <p:notesSz cx="6858000" cy="9144000"/>
@@ -7831,6 +7833,244 @@
       </p:grpSpPr>
       <p:sp>
         <p:nvSpPr>
+          <p:cNvPr id="2" name="標題 1">
+            <a:extLst>
+              <a:ext uri="{FF2B5EF4-FFF2-40B4-BE49-F238E27FC236}">
+                <a16:creationId xmlns:a16="http://schemas.microsoft.com/office/drawing/2014/main" id="{6BC88751-49FD-10C2-9A54-E5F2B7D92F33}"/>
+              </a:ext>
+            </a:extLst>
+          </p:cNvPr>
+          <p:cNvSpPr>
+            <a:spLocks noGrp="1"/>
+          </p:cNvSpPr>
+          <p:nvPr>
+            <p:ph type="title"/>
+          </p:nvPr>
+        </p:nvSpPr>
+        <p:spPr/>
+        <p:txBody>
+          <a:bodyPr/>
+          <a:lstStyle/>
+          <a:p>
+            <a:pPr algn="ctr"/>
+            <a:r>
+              <a:rPr lang="zh-TW" altLang="en-US" dirty="0">
+                <a:latin typeface="標楷體" panose="03000509000000000000" pitchFamily="65" charset="-120"/>
+                <a:ea typeface="標楷體" panose="03000509000000000000" pitchFamily="65" charset="-120"/>
+              </a:rPr>
+              <a:t>系統優化</a:t>
+            </a:r>
+          </a:p>
+        </p:txBody>
+      </p:sp>
+      <p:sp>
+        <p:nvSpPr>
+          <p:cNvPr id="3" name="內容版面配置區 2">
+            <a:extLst>
+              <a:ext uri="{FF2B5EF4-FFF2-40B4-BE49-F238E27FC236}">
+                <a16:creationId xmlns:a16="http://schemas.microsoft.com/office/drawing/2014/main" id="{3EB2FC36-6AA1-B562-DBB5-4AA24E20272C}"/>
+              </a:ext>
+            </a:extLst>
+          </p:cNvPr>
+          <p:cNvSpPr>
+            <a:spLocks noGrp="1"/>
+          </p:cNvSpPr>
+          <p:nvPr>
+            <p:ph idx="1"/>
+          </p:nvPr>
+        </p:nvSpPr>
+        <p:spPr/>
+        <p:txBody>
+          <a:bodyPr/>
+          <a:lstStyle/>
+          <a:p>
+            <a:r>
+              <a:rPr lang="zh-TW" altLang="en-US" dirty="0">
+                <a:latin typeface="標楷體" panose="03000509000000000000" pitchFamily="65" charset="-120"/>
+                <a:ea typeface="標楷體" panose="03000509000000000000" pitchFamily="65" charset="-120"/>
+              </a:rPr>
+              <a:t>深蹲姿勢矯正模型</a:t>
+            </a:r>
+            <a:endParaRPr lang="en-US" altLang="zh-TW" dirty="0">
+              <a:latin typeface="標楷體" panose="03000509000000000000" pitchFamily="65" charset="-120"/>
+              <a:ea typeface="標楷體" panose="03000509000000000000" pitchFamily="65" charset="-120"/>
+            </a:endParaRPr>
+          </a:p>
+          <a:p>
+            <a:r>
+              <a:rPr lang="zh-TW" altLang="en-US" dirty="0">
+                <a:latin typeface="標楷體" panose="03000509000000000000" pitchFamily="65" charset="-120"/>
+                <a:ea typeface="標楷體" panose="03000509000000000000" pitchFamily="65" charset="-120"/>
+              </a:rPr>
+              <a:t>資料集</a:t>
+            </a:r>
+            <a:r>
+              <a:rPr lang="en-US" altLang="zh-TW" dirty="0">
+                <a:latin typeface="標楷體" panose="03000509000000000000" pitchFamily="65" charset="-120"/>
+                <a:ea typeface="標楷體" panose="03000509000000000000" pitchFamily="65" charset="-120"/>
+              </a:rPr>
+              <a:t>:600</a:t>
+            </a:r>
+          </a:p>
+          <a:p>
+            <a:r>
+              <a:rPr lang="zh-TW" altLang="en-US" dirty="0">
+                <a:latin typeface="標楷體" panose="03000509000000000000" pitchFamily="65" charset="-120"/>
+                <a:ea typeface="標楷體" panose="03000509000000000000" pitchFamily="65" charset="-120"/>
+              </a:rPr>
+              <a:t>訓練集</a:t>
+            </a:r>
+            <a:r>
+              <a:rPr lang="en-US" altLang="zh-TW" dirty="0">
+                <a:latin typeface="標楷體" panose="03000509000000000000" pitchFamily="65" charset="-120"/>
+                <a:ea typeface="標楷體" panose="03000509000000000000" pitchFamily="65" charset="-120"/>
+              </a:rPr>
+              <a:t>:540</a:t>
+            </a:r>
+          </a:p>
+          <a:p>
+            <a:r>
+              <a:rPr lang="zh-TW" altLang="en-US" dirty="0">
+                <a:latin typeface="標楷體" panose="03000509000000000000" pitchFamily="65" charset="-120"/>
+                <a:ea typeface="標楷體" panose="03000509000000000000" pitchFamily="65" charset="-120"/>
+              </a:rPr>
+              <a:t>測試集</a:t>
+            </a:r>
+            <a:r>
+              <a:rPr lang="en-US" altLang="zh-TW" dirty="0">
+                <a:latin typeface="標楷體" panose="03000509000000000000" pitchFamily="65" charset="-120"/>
+                <a:ea typeface="標楷體" panose="03000509000000000000" pitchFamily="65" charset="-120"/>
+              </a:rPr>
+              <a:t>:60</a:t>
+            </a:r>
+          </a:p>
+          <a:p>
+            <a:r>
+              <a:rPr lang="en-US" altLang="zh-TW" dirty="0">
+                <a:latin typeface="標楷體" panose="03000509000000000000" pitchFamily="65" charset="-120"/>
+                <a:ea typeface="標楷體" panose="03000509000000000000" pitchFamily="65" charset="-120"/>
+              </a:rPr>
+              <a:t>Epoch:500</a:t>
+            </a:r>
+          </a:p>
+          <a:p>
+            <a:r>
+              <a:rPr lang="en-US" altLang="zh-TW" dirty="0">
+                <a:latin typeface="標楷體" panose="03000509000000000000" pitchFamily="65" charset="-120"/>
+                <a:ea typeface="標楷體" panose="03000509000000000000" pitchFamily="65" charset="-120"/>
+              </a:rPr>
+              <a:t>Batch  size:1</a:t>
+            </a:r>
+            <a:endParaRPr lang="zh-TW" altLang="en-US" dirty="0">
+              <a:latin typeface="標楷體" panose="03000509000000000000" pitchFamily="65" charset="-120"/>
+              <a:ea typeface="標楷體" panose="03000509000000000000" pitchFamily="65" charset="-120"/>
+            </a:endParaRPr>
+          </a:p>
+        </p:txBody>
+      </p:sp>
+      <p:pic>
+        <p:nvPicPr>
+          <p:cNvPr id="4" name="圖片 3">
+            <a:extLst>
+              <a:ext uri="{FF2B5EF4-FFF2-40B4-BE49-F238E27FC236}">
+                <a16:creationId xmlns:a16="http://schemas.microsoft.com/office/drawing/2014/main" id="{0207E140-7D59-D167-73A8-BDF6FC9E7140}"/>
+              </a:ext>
+            </a:extLst>
+          </p:cNvPr>
+          <p:cNvPicPr>
+            <a:picLocks noChangeAspect="1"/>
+          </p:cNvPicPr>
+          <p:nvPr/>
+        </p:nvPicPr>
+        <p:blipFill rotWithShape="1">
+          <a:blip r:embed="rId2"/>
+          <a:srcRect r="67358"/>
+          <a:stretch/>
+        </p:blipFill>
+        <p:spPr>
+          <a:xfrm>
+            <a:off x="6163112" y="1978031"/>
+            <a:ext cx="3541098" cy="3082623"/>
+          </a:xfrm>
+          <a:prstGeom prst="rect">
+            <a:avLst/>
+          </a:prstGeom>
+        </p:spPr>
+      </p:pic>
+      <p:sp>
+        <p:nvSpPr>
+          <p:cNvPr id="5" name="文字方塊 4">
+            <a:extLst>
+              <a:ext uri="{FF2B5EF4-FFF2-40B4-BE49-F238E27FC236}">
+                <a16:creationId xmlns:a16="http://schemas.microsoft.com/office/drawing/2014/main" id="{A5BE0D99-BC02-BEF3-8F88-C91B8110E1B8}"/>
+              </a:ext>
+            </a:extLst>
+          </p:cNvPr>
+          <p:cNvSpPr txBox="1"/>
+          <p:nvPr/>
+        </p:nvSpPr>
+        <p:spPr>
+          <a:xfrm>
+            <a:off x="7410921" y="5195591"/>
+            <a:ext cx="1045479" cy="369332"/>
+          </a:xfrm>
+          <a:prstGeom prst="rect">
+            <a:avLst/>
+          </a:prstGeom>
+          <a:noFill/>
+        </p:spPr>
+        <p:txBody>
+          <a:bodyPr wrap="none" rtlCol="0">
+            <a:spAutoFit/>
+          </a:bodyPr>
+          <a:lstStyle/>
+          <a:p>
+            <a:r>
+              <a:rPr lang="en-US" altLang="zh-TW" dirty="0"/>
+              <a:t>Loss</a:t>
+            </a:r>
+            <a:r>
+              <a:rPr lang="zh-TW" altLang="en-US" dirty="0">
+                <a:latin typeface="標楷體" panose="03000509000000000000" pitchFamily="65" charset="-120"/>
+                <a:ea typeface="標楷體" panose="03000509000000000000" pitchFamily="65" charset="-120"/>
+              </a:rPr>
+              <a:t>圖表</a:t>
+            </a:r>
+          </a:p>
+        </p:txBody>
+      </p:sp>
+    </p:spTree>
+    <p:extLst>
+      <p:ext uri="{BB962C8B-B14F-4D97-AF65-F5344CB8AC3E}">
+        <p14:creationId xmlns:p14="http://schemas.microsoft.com/office/powerpoint/2010/main" val="1761112541"/>
+      </p:ext>
+    </p:extLst>
+  </p:cSld>
+  <p:clrMapOvr>
+    <a:masterClrMapping/>
+  </p:clrMapOvr>
+</p:sld>
+</file>
+
+<file path=ppt/slides/slide22.xml><?xml version="1.0" encoding="utf-8"?>
+<p:sld xmlns:a="http://schemas.openxmlformats.org/drawingml/2006/main" xmlns:r="http://schemas.openxmlformats.org/officeDocument/2006/relationships" xmlns:p="http://schemas.openxmlformats.org/presentationml/2006/main">
+  <p:cSld>
+    <p:spTree>
+      <p:nvGrpSpPr>
+        <p:cNvPr id="1" name=""/>
+        <p:cNvGrpSpPr/>
+        <p:nvPr/>
+      </p:nvGrpSpPr>
+      <p:grpSpPr>
+        <a:xfrm>
+          <a:off x="0" y="0"/>
+          <a:ext cx="0" cy="0"/>
+          <a:chOff x="0" y="0"/>
+          <a:chExt cx="0" cy="0"/>
+        </a:xfrm>
+      </p:grpSpPr>
+      <p:sp>
+        <p:nvSpPr>
           <p:cNvPr id="3" name="內容版面配置區 2">
             <a:extLst>
               <a:ext uri="{FF2B5EF4-FFF2-40B4-BE49-F238E27FC236}">
@@ -7902,6 +8142,833 @@
           </a:p>
         </p:txBody>
       </p:sp>
+      <p:pic>
+        <p:nvPicPr>
+          <p:cNvPr id="5" name="圖片 4">
+            <a:extLst>
+              <a:ext uri="{FF2B5EF4-FFF2-40B4-BE49-F238E27FC236}">
+                <a16:creationId xmlns:a16="http://schemas.microsoft.com/office/drawing/2014/main" id="{36AA6508-18F9-6574-08D4-E83A12A9ABD7}"/>
+              </a:ext>
+            </a:extLst>
+          </p:cNvPr>
+          <p:cNvPicPr>
+            <a:picLocks noChangeAspect="1"/>
+          </p:cNvPicPr>
+          <p:nvPr/>
+        </p:nvPicPr>
+        <p:blipFill rotWithShape="1">
+          <a:blip r:embed="rId2"/>
+          <a:srcRect l="33630"/>
+          <a:stretch/>
+        </p:blipFill>
+        <p:spPr>
+          <a:xfrm>
+            <a:off x="1151093" y="2163614"/>
+            <a:ext cx="3253727" cy="4522862"/>
+          </a:xfrm>
+          <a:prstGeom prst="rect">
+            <a:avLst/>
+          </a:prstGeom>
+        </p:spPr>
+      </p:pic>
+      <p:cxnSp>
+        <p:nvCxnSpPr>
+          <p:cNvPr id="7" name="直線接點 6">
+            <a:extLst>
+              <a:ext uri="{FF2B5EF4-FFF2-40B4-BE49-F238E27FC236}">
+                <a16:creationId xmlns:a16="http://schemas.microsoft.com/office/drawing/2014/main" id="{428DE1C4-67DF-284C-305B-61D689BBADA0}"/>
+              </a:ext>
+            </a:extLst>
+          </p:cNvPr>
+          <p:cNvCxnSpPr/>
+          <p:nvPr/>
+        </p:nvCxnSpPr>
+        <p:spPr>
+          <a:xfrm>
+            <a:off x="1946246" y="2810309"/>
+            <a:ext cx="0" cy="889233"/>
+          </a:xfrm>
+          <a:prstGeom prst="line">
+            <a:avLst/>
+          </a:prstGeom>
+          <a:ln w="28575">
+            <a:solidFill>
+              <a:srgbClr val="FFFF00"/>
+            </a:solidFill>
+          </a:ln>
+        </p:spPr>
+        <p:style>
+          <a:lnRef idx="1">
+            <a:schemeClr val="accent1"/>
+          </a:lnRef>
+          <a:fillRef idx="0">
+            <a:schemeClr val="accent1"/>
+          </a:fillRef>
+          <a:effectRef idx="0">
+            <a:schemeClr val="accent1"/>
+          </a:effectRef>
+          <a:fontRef idx="minor">
+            <a:schemeClr val="tx1"/>
+          </a:fontRef>
+        </p:style>
+      </p:cxnSp>
+      <p:cxnSp>
+        <p:nvCxnSpPr>
+          <p:cNvPr id="8" name="直線接點 7">
+            <a:extLst>
+              <a:ext uri="{FF2B5EF4-FFF2-40B4-BE49-F238E27FC236}">
+                <a16:creationId xmlns:a16="http://schemas.microsoft.com/office/drawing/2014/main" id="{CD455D22-492B-BE6B-90A1-E72F5658920E}"/>
+              </a:ext>
+            </a:extLst>
+          </p:cNvPr>
+          <p:cNvCxnSpPr/>
+          <p:nvPr/>
+        </p:nvCxnSpPr>
+        <p:spPr>
+          <a:xfrm>
+            <a:off x="2157369" y="2810309"/>
+            <a:ext cx="0" cy="889233"/>
+          </a:xfrm>
+          <a:prstGeom prst="line">
+            <a:avLst/>
+          </a:prstGeom>
+          <a:ln w="28575">
+            <a:solidFill>
+              <a:srgbClr val="FFFF00"/>
+            </a:solidFill>
+          </a:ln>
+        </p:spPr>
+        <p:style>
+          <a:lnRef idx="1">
+            <a:schemeClr val="accent1"/>
+          </a:lnRef>
+          <a:fillRef idx="0">
+            <a:schemeClr val="accent1"/>
+          </a:fillRef>
+          <a:effectRef idx="0">
+            <a:schemeClr val="accent1"/>
+          </a:effectRef>
+          <a:fontRef idx="minor">
+            <a:schemeClr val="tx1"/>
+          </a:fontRef>
+        </p:style>
+      </p:cxnSp>
+      <p:cxnSp>
+        <p:nvCxnSpPr>
+          <p:cNvPr id="9" name="直線接點 8">
+            <a:extLst>
+              <a:ext uri="{FF2B5EF4-FFF2-40B4-BE49-F238E27FC236}">
+                <a16:creationId xmlns:a16="http://schemas.microsoft.com/office/drawing/2014/main" id="{58AE39AC-DB28-4106-AE3A-CA4F1C4E1DDF}"/>
+              </a:ext>
+            </a:extLst>
+          </p:cNvPr>
+          <p:cNvCxnSpPr/>
+          <p:nvPr/>
+        </p:nvCxnSpPr>
+        <p:spPr>
+          <a:xfrm>
+            <a:off x="2358704" y="2810309"/>
+            <a:ext cx="0" cy="889233"/>
+          </a:xfrm>
+          <a:prstGeom prst="line">
+            <a:avLst/>
+          </a:prstGeom>
+          <a:ln w="28575">
+            <a:solidFill>
+              <a:srgbClr val="FFFF00"/>
+            </a:solidFill>
+          </a:ln>
+        </p:spPr>
+        <p:style>
+          <a:lnRef idx="1">
+            <a:schemeClr val="accent1"/>
+          </a:lnRef>
+          <a:fillRef idx="0">
+            <a:schemeClr val="accent1"/>
+          </a:fillRef>
+          <a:effectRef idx="0">
+            <a:schemeClr val="accent1"/>
+          </a:effectRef>
+          <a:fontRef idx="minor">
+            <a:schemeClr val="tx1"/>
+          </a:fontRef>
+        </p:style>
+      </p:cxnSp>
+      <p:cxnSp>
+        <p:nvCxnSpPr>
+          <p:cNvPr id="10" name="直線接點 9">
+            <a:extLst>
+              <a:ext uri="{FF2B5EF4-FFF2-40B4-BE49-F238E27FC236}">
+                <a16:creationId xmlns:a16="http://schemas.microsoft.com/office/drawing/2014/main" id="{BC228ED6-9247-6C4D-A188-23A8010842AF}"/>
+              </a:ext>
+            </a:extLst>
+          </p:cNvPr>
+          <p:cNvCxnSpPr/>
+          <p:nvPr/>
+        </p:nvCxnSpPr>
+        <p:spPr>
+          <a:xfrm>
+            <a:off x="1946246" y="5328403"/>
+            <a:ext cx="0" cy="889233"/>
+          </a:xfrm>
+          <a:prstGeom prst="line">
+            <a:avLst/>
+          </a:prstGeom>
+          <a:ln w="28575">
+            <a:solidFill>
+              <a:srgbClr val="FFFF00"/>
+            </a:solidFill>
+          </a:ln>
+        </p:spPr>
+        <p:style>
+          <a:lnRef idx="1">
+            <a:schemeClr val="accent1"/>
+          </a:lnRef>
+          <a:fillRef idx="0">
+            <a:schemeClr val="accent1"/>
+          </a:fillRef>
+          <a:effectRef idx="0">
+            <a:schemeClr val="accent1"/>
+          </a:effectRef>
+          <a:fontRef idx="minor">
+            <a:schemeClr val="tx1"/>
+          </a:fontRef>
+        </p:style>
+      </p:cxnSp>
+      <p:cxnSp>
+        <p:nvCxnSpPr>
+          <p:cNvPr id="11" name="直線接點 10">
+            <a:extLst>
+              <a:ext uri="{FF2B5EF4-FFF2-40B4-BE49-F238E27FC236}">
+                <a16:creationId xmlns:a16="http://schemas.microsoft.com/office/drawing/2014/main" id="{894525A7-0641-23CB-8390-D38890F4808A}"/>
+              </a:ext>
+            </a:extLst>
+          </p:cNvPr>
+          <p:cNvCxnSpPr/>
+          <p:nvPr/>
+        </p:nvCxnSpPr>
+        <p:spPr>
+          <a:xfrm>
+            <a:off x="2178341" y="5313017"/>
+            <a:ext cx="0" cy="889233"/>
+          </a:xfrm>
+          <a:prstGeom prst="line">
+            <a:avLst/>
+          </a:prstGeom>
+          <a:ln w="28575">
+            <a:solidFill>
+              <a:srgbClr val="FFFF00"/>
+            </a:solidFill>
+          </a:ln>
+        </p:spPr>
+        <p:style>
+          <a:lnRef idx="1">
+            <a:schemeClr val="accent1"/>
+          </a:lnRef>
+          <a:fillRef idx="0">
+            <a:schemeClr val="accent1"/>
+          </a:fillRef>
+          <a:effectRef idx="0">
+            <a:schemeClr val="accent1"/>
+          </a:effectRef>
+          <a:fontRef idx="minor">
+            <a:schemeClr val="tx1"/>
+          </a:fontRef>
+        </p:style>
+      </p:cxnSp>
+      <p:cxnSp>
+        <p:nvCxnSpPr>
+          <p:cNvPr id="12" name="直線接點 11">
+            <a:extLst>
+              <a:ext uri="{FF2B5EF4-FFF2-40B4-BE49-F238E27FC236}">
+                <a16:creationId xmlns:a16="http://schemas.microsoft.com/office/drawing/2014/main" id="{32487DE7-D10A-3DD2-1325-34335BDE55C9}"/>
+              </a:ext>
+            </a:extLst>
+          </p:cNvPr>
+          <p:cNvCxnSpPr/>
+          <p:nvPr/>
+        </p:nvCxnSpPr>
+        <p:spPr>
+          <a:xfrm>
+            <a:off x="2386667" y="5328402"/>
+            <a:ext cx="0" cy="889233"/>
+          </a:xfrm>
+          <a:prstGeom prst="line">
+            <a:avLst/>
+          </a:prstGeom>
+          <a:ln w="28575">
+            <a:solidFill>
+              <a:srgbClr val="FFFF00"/>
+            </a:solidFill>
+          </a:ln>
+        </p:spPr>
+        <p:style>
+          <a:lnRef idx="1">
+            <a:schemeClr val="accent1"/>
+          </a:lnRef>
+          <a:fillRef idx="0">
+            <a:schemeClr val="accent1"/>
+          </a:fillRef>
+          <a:effectRef idx="0">
+            <a:schemeClr val="accent1"/>
+          </a:effectRef>
+          <a:fontRef idx="minor">
+            <a:schemeClr val="tx1"/>
+          </a:fontRef>
+        </p:style>
+      </p:cxnSp>
+      <p:pic>
+        <p:nvPicPr>
+          <p:cNvPr id="14" name="圖片 13">
+            <a:extLst>
+              <a:ext uri="{FF2B5EF4-FFF2-40B4-BE49-F238E27FC236}">
+                <a16:creationId xmlns:a16="http://schemas.microsoft.com/office/drawing/2014/main" id="{4B7E85CE-FDB2-5450-2E62-7E555BC3E2F1}"/>
+              </a:ext>
+            </a:extLst>
+          </p:cNvPr>
+          <p:cNvPicPr>
+            <a:picLocks noChangeAspect="1"/>
+          </p:cNvPicPr>
+          <p:nvPr/>
+        </p:nvPicPr>
+        <p:blipFill>
+          <a:blip r:embed="rId3"/>
+          <a:stretch>
+            <a:fillRect/>
+          </a:stretch>
+        </p:blipFill>
+        <p:spPr>
+          <a:xfrm>
+            <a:off x="4533458" y="2163614"/>
+            <a:ext cx="3253724" cy="4522862"/>
+          </a:xfrm>
+          <a:prstGeom prst="rect">
+            <a:avLst/>
+          </a:prstGeom>
+        </p:spPr>
+      </p:pic>
+      <p:cxnSp>
+        <p:nvCxnSpPr>
+          <p:cNvPr id="17" name="直線接點 16">
+            <a:extLst>
+              <a:ext uri="{FF2B5EF4-FFF2-40B4-BE49-F238E27FC236}">
+                <a16:creationId xmlns:a16="http://schemas.microsoft.com/office/drawing/2014/main" id="{58B5E4AF-0E83-D762-3722-DDD61CD7A20A}"/>
+              </a:ext>
+            </a:extLst>
+          </p:cNvPr>
+          <p:cNvCxnSpPr/>
+          <p:nvPr/>
+        </p:nvCxnSpPr>
+        <p:spPr>
+          <a:xfrm>
+            <a:off x="5286462" y="2810311"/>
+            <a:ext cx="0" cy="889233"/>
+          </a:xfrm>
+          <a:prstGeom prst="line">
+            <a:avLst/>
+          </a:prstGeom>
+          <a:ln w="28575">
+            <a:solidFill>
+              <a:srgbClr val="FFFF00"/>
+            </a:solidFill>
+          </a:ln>
+        </p:spPr>
+        <p:style>
+          <a:lnRef idx="1">
+            <a:schemeClr val="accent1"/>
+          </a:lnRef>
+          <a:fillRef idx="0">
+            <a:schemeClr val="accent1"/>
+          </a:fillRef>
+          <a:effectRef idx="0">
+            <a:schemeClr val="accent1"/>
+          </a:effectRef>
+          <a:fontRef idx="minor">
+            <a:schemeClr val="tx1"/>
+          </a:fontRef>
+        </p:style>
+      </p:cxnSp>
+      <p:cxnSp>
+        <p:nvCxnSpPr>
+          <p:cNvPr id="18" name="直線接點 17">
+            <a:extLst>
+              <a:ext uri="{FF2B5EF4-FFF2-40B4-BE49-F238E27FC236}">
+                <a16:creationId xmlns:a16="http://schemas.microsoft.com/office/drawing/2014/main" id="{E1817F48-C694-D929-A265-3B2417549DBD}"/>
+              </a:ext>
+            </a:extLst>
+          </p:cNvPr>
+          <p:cNvCxnSpPr/>
+          <p:nvPr/>
+        </p:nvCxnSpPr>
+        <p:spPr>
+          <a:xfrm>
+            <a:off x="5521354" y="2810311"/>
+            <a:ext cx="0" cy="889233"/>
+          </a:xfrm>
+          <a:prstGeom prst="line">
+            <a:avLst/>
+          </a:prstGeom>
+          <a:ln w="28575">
+            <a:solidFill>
+              <a:srgbClr val="FFFF00"/>
+            </a:solidFill>
+          </a:ln>
+        </p:spPr>
+        <p:style>
+          <a:lnRef idx="1">
+            <a:schemeClr val="accent1"/>
+          </a:lnRef>
+          <a:fillRef idx="0">
+            <a:schemeClr val="accent1"/>
+          </a:fillRef>
+          <a:effectRef idx="0">
+            <a:schemeClr val="accent1"/>
+          </a:effectRef>
+          <a:fontRef idx="minor">
+            <a:schemeClr val="tx1"/>
+          </a:fontRef>
+        </p:style>
+      </p:cxnSp>
+      <p:cxnSp>
+        <p:nvCxnSpPr>
+          <p:cNvPr id="19" name="直線接點 18">
+            <a:extLst>
+              <a:ext uri="{FF2B5EF4-FFF2-40B4-BE49-F238E27FC236}">
+                <a16:creationId xmlns:a16="http://schemas.microsoft.com/office/drawing/2014/main" id="{A67DD7AC-1F02-CF63-5B6D-D9F9341E2046}"/>
+              </a:ext>
+            </a:extLst>
+          </p:cNvPr>
+          <p:cNvCxnSpPr/>
+          <p:nvPr/>
+        </p:nvCxnSpPr>
+        <p:spPr>
+          <a:xfrm>
+            <a:off x="5705912" y="2810310"/>
+            <a:ext cx="0" cy="889233"/>
+          </a:xfrm>
+          <a:prstGeom prst="line">
+            <a:avLst/>
+          </a:prstGeom>
+          <a:ln w="28575">
+            <a:solidFill>
+              <a:srgbClr val="FFFF00"/>
+            </a:solidFill>
+          </a:ln>
+        </p:spPr>
+        <p:style>
+          <a:lnRef idx="1">
+            <a:schemeClr val="accent1"/>
+          </a:lnRef>
+          <a:fillRef idx="0">
+            <a:schemeClr val="accent1"/>
+          </a:fillRef>
+          <a:effectRef idx="0">
+            <a:schemeClr val="accent1"/>
+          </a:effectRef>
+          <a:fontRef idx="minor">
+            <a:schemeClr val="tx1"/>
+          </a:fontRef>
+        </p:style>
+      </p:cxnSp>
+      <p:cxnSp>
+        <p:nvCxnSpPr>
+          <p:cNvPr id="20" name="直線接點 19">
+            <a:extLst>
+              <a:ext uri="{FF2B5EF4-FFF2-40B4-BE49-F238E27FC236}">
+                <a16:creationId xmlns:a16="http://schemas.microsoft.com/office/drawing/2014/main" id="{0616B65C-0CFE-29D2-0232-2739E28E50AA}"/>
+              </a:ext>
+            </a:extLst>
+          </p:cNvPr>
+          <p:cNvCxnSpPr/>
+          <p:nvPr/>
+        </p:nvCxnSpPr>
+        <p:spPr>
+          <a:xfrm>
+            <a:off x="5286462" y="5328406"/>
+            <a:ext cx="0" cy="889233"/>
+          </a:xfrm>
+          <a:prstGeom prst="line">
+            <a:avLst/>
+          </a:prstGeom>
+          <a:ln w="28575">
+            <a:solidFill>
+              <a:srgbClr val="FFFF00"/>
+            </a:solidFill>
+          </a:ln>
+        </p:spPr>
+        <p:style>
+          <a:lnRef idx="1">
+            <a:schemeClr val="accent1"/>
+          </a:lnRef>
+          <a:fillRef idx="0">
+            <a:schemeClr val="accent1"/>
+          </a:fillRef>
+          <a:effectRef idx="0">
+            <a:schemeClr val="accent1"/>
+          </a:effectRef>
+          <a:fontRef idx="minor">
+            <a:schemeClr val="tx1"/>
+          </a:fontRef>
+        </p:style>
+      </p:cxnSp>
+      <p:cxnSp>
+        <p:nvCxnSpPr>
+          <p:cNvPr id="21" name="直線接點 20">
+            <a:extLst>
+              <a:ext uri="{FF2B5EF4-FFF2-40B4-BE49-F238E27FC236}">
+                <a16:creationId xmlns:a16="http://schemas.microsoft.com/office/drawing/2014/main" id="{55263464-8DB0-F6D9-5697-3790B9F412AD}"/>
+              </a:ext>
+            </a:extLst>
+          </p:cNvPr>
+          <p:cNvCxnSpPr/>
+          <p:nvPr/>
+        </p:nvCxnSpPr>
+        <p:spPr>
+          <a:xfrm>
+            <a:off x="5521354" y="5328405"/>
+            <a:ext cx="0" cy="889233"/>
+          </a:xfrm>
+          <a:prstGeom prst="line">
+            <a:avLst/>
+          </a:prstGeom>
+          <a:ln w="28575">
+            <a:solidFill>
+              <a:srgbClr val="FFFF00"/>
+            </a:solidFill>
+          </a:ln>
+        </p:spPr>
+        <p:style>
+          <a:lnRef idx="1">
+            <a:schemeClr val="accent1"/>
+          </a:lnRef>
+          <a:fillRef idx="0">
+            <a:schemeClr val="accent1"/>
+          </a:fillRef>
+          <a:effectRef idx="0">
+            <a:schemeClr val="accent1"/>
+          </a:effectRef>
+          <a:fontRef idx="minor">
+            <a:schemeClr val="tx1"/>
+          </a:fontRef>
+        </p:style>
+      </p:cxnSp>
+      <p:cxnSp>
+        <p:nvCxnSpPr>
+          <p:cNvPr id="22" name="直線接點 21">
+            <a:extLst>
+              <a:ext uri="{FF2B5EF4-FFF2-40B4-BE49-F238E27FC236}">
+                <a16:creationId xmlns:a16="http://schemas.microsoft.com/office/drawing/2014/main" id="{545005C4-7E67-DC36-CEAF-8164604CD72F}"/>
+              </a:ext>
+            </a:extLst>
+          </p:cNvPr>
+          <p:cNvCxnSpPr/>
+          <p:nvPr/>
+        </p:nvCxnSpPr>
+        <p:spPr>
+          <a:xfrm>
+            <a:off x="5705912" y="5328404"/>
+            <a:ext cx="0" cy="889233"/>
+          </a:xfrm>
+          <a:prstGeom prst="line">
+            <a:avLst/>
+          </a:prstGeom>
+          <a:ln w="28575">
+            <a:solidFill>
+              <a:srgbClr val="FFFF00"/>
+            </a:solidFill>
+          </a:ln>
+        </p:spPr>
+        <p:style>
+          <a:lnRef idx="1">
+            <a:schemeClr val="accent1"/>
+          </a:lnRef>
+          <a:fillRef idx="0">
+            <a:schemeClr val="accent1"/>
+          </a:fillRef>
+          <a:effectRef idx="0">
+            <a:schemeClr val="accent1"/>
+          </a:effectRef>
+          <a:fontRef idx="minor">
+            <a:schemeClr val="tx1"/>
+          </a:fontRef>
+        </p:style>
+      </p:cxnSp>
+      <p:pic>
+        <p:nvPicPr>
+          <p:cNvPr id="24" name="圖片 23">
+            <a:extLst>
+              <a:ext uri="{FF2B5EF4-FFF2-40B4-BE49-F238E27FC236}">
+                <a16:creationId xmlns:a16="http://schemas.microsoft.com/office/drawing/2014/main" id="{FB223563-5F60-91B3-2F2A-DCED5BE2EB70}"/>
+              </a:ext>
+            </a:extLst>
+          </p:cNvPr>
+          <p:cNvPicPr>
+            <a:picLocks noChangeAspect="1"/>
+          </p:cNvPicPr>
+          <p:nvPr/>
+        </p:nvPicPr>
+        <p:blipFill>
+          <a:blip r:embed="rId4"/>
+          <a:stretch>
+            <a:fillRect/>
+          </a:stretch>
+        </p:blipFill>
+        <p:spPr>
+          <a:xfrm>
+            <a:off x="7971739" y="2163614"/>
+            <a:ext cx="3253725" cy="4530425"/>
+          </a:xfrm>
+          <a:prstGeom prst="rect">
+            <a:avLst/>
+          </a:prstGeom>
+        </p:spPr>
+      </p:pic>
+      <p:cxnSp>
+        <p:nvCxnSpPr>
+          <p:cNvPr id="27" name="直線接點 26">
+            <a:extLst>
+              <a:ext uri="{FF2B5EF4-FFF2-40B4-BE49-F238E27FC236}">
+                <a16:creationId xmlns:a16="http://schemas.microsoft.com/office/drawing/2014/main" id="{781C590E-DDC0-2A95-2FCF-1F692A9EFF7B}"/>
+              </a:ext>
+            </a:extLst>
+          </p:cNvPr>
+          <p:cNvCxnSpPr/>
+          <p:nvPr/>
+        </p:nvCxnSpPr>
+        <p:spPr>
+          <a:xfrm>
+            <a:off x="8735735" y="2727820"/>
+            <a:ext cx="0" cy="889233"/>
+          </a:xfrm>
+          <a:prstGeom prst="line">
+            <a:avLst/>
+          </a:prstGeom>
+          <a:ln w="28575">
+            <a:solidFill>
+              <a:srgbClr val="FFFF00"/>
+            </a:solidFill>
+          </a:ln>
+        </p:spPr>
+        <p:style>
+          <a:lnRef idx="1">
+            <a:schemeClr val="accent1"/>
+          </a:lnRef>
+          <a:fillRef idx="0">
+            <a:schemeClr val="accent1"/>
+          </a:fillRef>
+          <a:effectRef idx="0">
+            <a:schemeClr val="accent1"/>
+          </a:effectRef>
+          <a:fontRef idx="minor">
+            <a:schemeClr val="tx1"/>
+          </a:fontRef>
+        </p:style>
+      </p:cxnSp>
+      <p:cxnSp>
+        <p:nvCxnSpPr>
+          <p:cNvPr id="28" name="直線接點 27">
+            <a:extLst>
+              <a:ext uri="{FF2B5EF4-FFF2-40B4-BE49-F238E27FC236}">
+                <a16:creationId xmlns:a16="http://schemas.microsoft.com/office/drawing/2014/main" id="{783C639A-78AD-0792-CA44-221AA6FEAB3F}"/>
+              </a:ext>
+            </a:extLst>
+          </p:cNvPr>
+          <p:cNvCxnSpPr/>
+          <p:nvPr/>
+        </p:nvCxnSpPr>
+        <p:spPr>
+          <a:xfrm>
+            <a:off x="8928682" y="2727820"/>
+            <a:ext cx="0" cy="889233"/>
+          </a:xfrm>
+          <a:prstGeom prst="line">
+            <a:avLst/>
+          </a:prstGeom>
+          <a:ln w="28575">
+            <a:solidFill>
+              <a:srgbClr val="FFFF00"/>
+            </a:solidFill>
+          </a:ln>
+        </p:spPr>
+        <p:style>
+          <a:lnRef idx="1">
+            <a:schemeClr val="accent1"/>
+          </a:lnRef>
+          <a:fillRef idx="0">
+            <a:schemeClr val="accent1"/>
+          </a:fillRef>
+          <a:effectRef idx="0">
+            <a:schemeClr val="accent1"/>
+          </a:effectRef>
+          <a:fontRef idx="minor">
+            <a:schemeClr val="tx1"/>
+          </a:fontRef>
+        </p:style>
+      </p:cxnSp>
+      <p:cxnSp>
+        <p:nvCxnSpPr>
+          <p:cNvPr id="29" name="直線接點 28">
+            <a:extLst>
+              <a:ext uri="{FF2B5EF4-FFF2-40B4-BE49-F238E27FC236}">
+                <a16:creationId xmlns:a16="http://schemas.microsoft.com/office/drawing/2014/main" id="{E5F2E2C5-4E4B-08C8-90F4-051DFDF006A1}"/>
+              </a:ext>
+            </a:extLst>
+          </p:cNvPr>
+          <p:cNvCxnSpPr/>
+          <p:nvPr/>
+        </p:nvCxnSpPr>
+        <p:spPr>
+          <a:xfrm>
+            <a:off x="9096462" y="2727820"/>
+            <a:ext cx="0" cy="889233"/>
+          </a:xfrm>
+          <a:prstGeom prst="line">
+            <a:avLst/>
+          </a:prstGeom>
+          <a:ln w="28575">
+            <a:solidFill>
+              <a:srgbClr val="FFFF00"/>
+            </a:solidFill>
+          </a:ln>
+        </p:spPr>
+        <p:style>
+          <a:lnRef idx="1">
+            <a:schemeClr val="accent1"/>
+          </a:lnRef>
+          <a:fillRef idx="0">
+            <a:schemeClr val="accent1"/>
+          </a:fillRef>
+          <a:effectRef idx="0">
+            <a:schemeClr val="accent1"/>
+          </a:effectRef>
+          <a:fontRef idx="minor">
+            <a:schemeClr val="tx1"/>
+          </a:fontRef>
+        </p:style>
+      </p:cxnSp>
+      <p:cxnSp>
+        <p:nvCxnSpPr>
+          <p:cNvPr id="30" name="直線接點 29">
+            <a:extLst>
+              <a:ext uri="{FF2B5EF4-FFF2-40B4-BE49-F238E27FC236}">
+                <a16:creationId xmlns:a16="http://schemas.microsoft.com/office/drawing/2014/main" id="{6AECD479-A8DE-3EDC-0713-8CBF480A1069}"/>
+              </a:ext>
+            </a:extLst>
+          </p:cNvPr>
+          <p:cNvCxnSpPr/>
+          <p:nvPr/>
+        </p:nvCxnSpPr>
+        <p:spPr>
+          <a:xfrm>
+            <a:off x="8721753" y="5152793"/>
+            <a:ext cx="0" cy="889233"/>
+          </a:xfrm>
+          <a:prstGeom prst="line">
+            <a:avLst/>
+          </a:prstGeom>
+          <a:ln w="28575">
+            <a:solidFill>
+              <a:srgbClr val="FFFF00"/>
+            </a:solidFill>
+          </a:ln>
+        </p:spPr>
+        <p:style>
+          <a:lnRef idx="1">
+            <a:schemeClr val="accent1"/>
+          </a:lnRef>
+          <a:fillRef idx="0">
+            <a:schemeClr val="accent1"/>
+          </a:fillRef>
+          <a:effectRef idx="0">
+            <a:schemeClr val="accent1"/>
+          </a:effectRef>
+          <a:fontRef idx="minor">
+            <a:schemeClr val="tx1"/>
+          </a:fontRef>
+        </p:style>
+      </p:cxnSp>
+      <p:cxnSp>
+        <p:nvCxnSpPr>
+          <p:cNvPr id="31" name="直線接點 30">
+            <a:extLst>
+              <a:ext uri="{FF2B5EF4-FFF2-40B4-BE49-F238E27FC236}">
+                <a16:creationId xmlns:a16="http://schemas.microsoft.com/office/drawing/2014/main" id="{990C887A-1B62-DAC3-0AC7-1418FEFE6F9E}"/>
+              </a:ext>
+            </a:extLst>
+          </p:cNvPr>
+          <p:cNvCxnSpPr/>
+          <p:nvPr/>
+        </p:nvCxnSpPr>
+        <p:spPr>
+          <a:xfrm>
+            <a:off x="8928682" y="5152793"/>
+            <a:ext cx="0" cy="889233"/>
+          </a:xfrm>
+          <a:prstGeom prst="line">
+            <a:avLst/>
+          </a:prstGeom>
+          <a:ln w="28575">
+            <a:solidFill>
+              <a:srgbClr val="FFFF00"/>
+            </a:solidFill>
+          </a:ln>
+        </p:spPr>
+        <p:style>
+          <a:lnRef idx="1">
+            <a:schemeClr val="accent1"/>
+          </a:lnRef>
+          <a:fillRef idx="0">
+            <a:schemeClr val="accent1"/>
+          </a:fillRef>
+          <a:effectRef idx="0">
+            <a:schemeClr val="accent1"/>
+          </a:effectRef>
+          <a:fontRef idx="minor">
+            <a:schemeClr val="tx1"/>
+          </a:fontRef>
+        </p:style>
+      </p:cxnSp>
+      <p:cxnSp>
+        <p:nvCxnSpPr>
+          <p:cNvPr id="32" name="直線接點 31">
+            <a:extLst>
+              <a:ext uri="{FF2B5EF4-FFF2-40B4-BE49-F238E27FC236}">
+                <a16:creationId xmlns:a16="http://schemas.microsoft.com/office/drawing/2014/main" id="{6B4BA506-2558-3BB9-EFE5-1CEE1067BC59}"/>
+              </a:ext>
+            </a:extLst>
+          </p:cNvPr>
+          <p:cNvCxnSpPr/>
+          <p:nvPr/>
+        </p:nvCxnSpPr>
+        <p:spPr>
+          <a:xfrm>
+            <a:off x="9116036" y="5152793"/>
+            <a:ext cx="0" cy="889233"/>
+          </a:xfrm>
+          <a:prstGeom prst="line">
+            <a:avLst/>
+          </a:prstGeom>
+          <a:ln w="28575">
+            <a:solidFill>
+              <a:srgbClr val="FFFF00"/>
+            </a:solidFill>
+          </a:ln>
+        </p:spPr>
+        <p:style>
+          <a:lnRef idx="1">
+            <a:schemeClr val="accent1"/>
+          </a:lnRef>
+          <a:fillRef idx="0">
+            <a:schemeClr val="accent1"/>
+          </a:fillRef>
+          <a:effectRef idx="0">
+            <a:schemeClr val="accent1"/>
+          </a:effectRef>
+          <a:fontRef idx="minor">
+            <a:schemeClr val="tx1"/>
+          </a:fontRef>
+        </p:style>
+      </p:cxnSp>
     </p:spTree>
     <p:extLst>
       <p:ext uri="{BB962C8B-B14F-4D97-AF65-F5344CB8AC3E}">
@@ -7915,7 +8982,151 @@
 </p:sld>
 </file>
 
-<file path=ppt/slides/slide22.xml><?xml version="1.0" encoding="utf-8"?>
+<file path=ppt/slides/slide23.xml><?xml version="1.0" encoding="utf-8"?>
+<p:sld xmlns:a="http://schemas.openxmlformats.org/drawingml/2006/main" xmlns:r="http://schemas.openxmlformats.org/officeDocument/2006/relationships" xmlns:p="http://schemas.openxmlformats.org/presentationml/2006/main">
+  <p:cSld>
+    <p:spTree>
+      <p:nvGrpSpPr>
+        <p:cNvPr id="1" name=""/>
+        <p:cNvGrpSpPr/>
+        <p:nvPr/>
+      </p:nvGrpSpPr>
+      <p:grpSpPr>
+        <a:xfrm>
+          <a:off x="0" y="0"/>
+          <a:ext cx="0" cy="0"/>
+          <a:chOff x="0" y="0"/>
+          <a:chExt cx="0" cy="0"/>
+        </a:xfrm>
+      </p:grpSpPr>
+      <p:sp>
+        <p:nvSpPr>
+          <p:cNvPr id="2" name="標題 1">
+            <a:extLst>
+              <a:ext uri="{FF2B5EF4-FFF2-40B4-BE49-F238E27FC236}">
+                <a16:creationId xmlns:a16="http://schemas.microsoft.com/office/drawing/2014/main" id="{F2DBD8B3-A2CD-3697-EA3B-2A41774F4F60}"/>
+              </a:ext>
+            </a:extLst>
+          </p:cNvPr>
+          <p:cNvSpPr>
+            <a:spLocks noGrp="1"/>
+          </p:cNvSpPr>
+          <p:nvPr>
+            <p:ph type="title"/>
+          </p:nvPr>
+        </p:nvSpPr>
+        <p:spPr/>
+        <p:txBody>
+          <a:bodyPr/>
+          <a:lstStyle/>
+          <a:p>
+            <a:pPr algn="ctr"/>
+            <a:r>
+              <a:rPr lang="zh-TW" altLang="en-US" dirty="0">
+                <a:latin typeface="標楷體" panose="03000509000000000000" pitchFamily="65" charset="-120"/>
+                <a:ea typeface="標楷體" panose="03000509000000000000" pitchFamily="65" charset="-120"/>
+              </a:rPr>
+              <a:t>檢驗結果</a:t>
+            </a:r>
+          </a:p>
+        </p:txBody>
+      </p:sp>
+      <p:sp>
+        <p:nvSpPr>
+          <p:cNvPr id="3" name="內容版面配置區 2">
+            <a:extLst>
+              <a:ext uri="{FF2B5EF4-FFF2-40B4-BE49-F238E27FC236}">
+                <a16:creationId xmlns:a16="http://schemas.microsoft.com/office/drawing/2014/main" id="{D3AA2138-14F7-2F4F-ED61-97CD079E634A}"/>
+              </a:ext>
+            </a:extLst>
+          </p:cNvPr>
+          <p:cNvSpPr>
+            <a:spLocks noGrp="1"/>
+          </p:cNvSpPr>
+          <p:nvPr>
+            <p:ph idx="1"/>
+          </p:nvPr>
+        </p:nvSpPr>
+        <p:spPr/>
+        <p:txBody>
+          <a:bodyPr/>
+          <a:lstStyle/>
+          <a:p>
+            <a:pPr marL="0" indent="0">
+              <a:buNone/>
+            </a:pPr>
+            <a:r>
+              <a:rPr lang="zh-TW" altLang="en-US" dirty="0">
+                <a:latin typeface="標楷體" panose="03000509000000000000" pitchFamily="65" charset="-120"/>
+                <a:ea typeface="標楷體" panose="03000509000000000000" pitchFamily="65" charset="-120"/>
+              </a:rPr>
+              <a:t>上圖所繪製黃線，是輔助我自己做人工檢驗，並不會由模型自行產生。由身體中線至右分別為第一條、第二條、第三條。第一條與第二條表示</a:t>
+            </a:r>
+            <a:r>
+              <a:rPr lang="en-US" altLang="zh-TW" dirty="0">
+                <a:latin typeface="標楷體" panose="03000509000000000000" pitchFamily="65" charset="-120"/>
+                <a:ea typeface="標楷體" panose="03000509000000000000" pitchFamily="65" charset="-120"/>
+              </a:rPr>
+              <a:t>0.5</a:t>
+            </a:r>
+            <a:r>
+              <a:rPr lang="zh-TW" altLang="en-US" dirty="0">
+                <a:latin typeface="標楷體" panose="03000509000000000000" pitchFamily="65" charset="-120"/>
+                <a:ea typeface="標楷體" panose="03000509000000000000" pitchFamily="65" charset="-120"/>
+              </a:rPr>
+              <a:t>個肩寬。</a:t>
+            </a:r>
+            <a:endParaRPr lang="en-US" altLang="zh-TW" dirty="0">
+              <a:latin typeface="標楷體" panose="03000509000000000000" pitchFamily="65" charset="-120"/>
+              <a:ea typeface="標楷體" panose="03000509000000000000" pitchFamily="65" charset="-120"/>
+            </a:endParaRPr>
+          </a:p>
+          <a:p>
+            <a:pPr marL="0" indent="0">
+              <a:buNone/>
+            </a:pPr>
+            <a:r>
+              <a:rPr lang="zh-TW" altLang="en-US" dirty="0">
+                <a:latin typeface="標楷體" panose="03000509000000000000" pitchFamily="65" charset="-120"/>
+                <a:ea typeface="標楷體" panose="03000509000000000000" pitchFamily="65" charset="-120"/>
+              </a:rPr>
+              <a:t>根據研究指出深蹲雙膝距離約為</a:t>
+            </a:r>
+            <a:r>
+              <a:rPr lang="en-US" altLang="zh-TW" dirty="0">
+                <a:latin typeface="標楷體" panose="03000509000000000000" pitchFamily="65" charset="-120"/>
+                <a:ea typeface="標楷體" panose="03000509000000000000" pitchFamily="65" charset="-120"/>
+              </a:rPr>
+              <a:t>1~1.5</a:t>
+            </a:r>
+            <a:r>
+              <a:rPr lang="zh-TW" altLang="en-US" dirty="0">
+                <a:latin typeface="標楷體" panose="03000509000000000000" pitchFamily="65" charset="-120"/>
+                <a:ea typeface="標楷體" panose="03000509000000000000" pitchFamily="65" charset="-120"/>
+              </a:rPr>
+              <a:t>個肩寬。那麼只要我第二條與第三條的黃線間隔不超過第一條與第二條，那麼即使測試集中所生成的圖片與原始圖片有差距，其矯正結果還是可以使用的。</a:t>
+            </a:r>
+            <a:endParaRPr lang="en-US" altLang="zh-TW" dirty="0">
+              <a:latin typeface="標楷體" panose="03000509000000000000" pitchFamily="65" charset="-120"/>
+              <a:ea typeface="標楷體" panose="03000509000000000000" pitchFamily="65" charset="-120"/>
+            </a:endParaRPr>
+          </a:p>
+        </p:txBody>
+      </p:sp>
+    </p:spTree>
+    <p:extLst>
+      <p:ext uri="{BB962C8B-B14F-4D97-AF65-F5344CB8AC3E}">
+        <p14:creationId xmlns:p14="http://schemas.microsoft.com/office/powerpoint/2010/main" val="3807767162"/>
+      </p:ext>
+    </p:extLst>
+  </p:cSld>
+  <p:clrMapOvr>
+    <a:masterClrMapping/>
+  </p:clrMapOvr>
+</p:sld>
+</file>
+
+<file path=ppt/slides/slide24.xml><?xml version="1.0" encoding="utf-8"?>
 <p:sld xmlns:a="http://schemas.openxmlformats.org/drawingml/2006/main" xmlns:r="http://schemas.openxmlformats.org/officeDocument/2006/relationships" xmlns:p="http://schemas.openxmlformats.org/presentationml/2006/main" show="0">
   <p:cSld>
     <p:spTree>
